--- a/CICD Presentation.pptx
+++ b/CICD Presentation.pptx
@@ -108,6 +108,11 @@
       </a:defRPr>
     </a:lvl9pPr>
   </p:defaultTextStyle>
+  <p:extLst>
+    <p:ext uri="{EFAFB233-063F-42B5-8137-9DF3F51BA10A}">
+      <p15:sldGuideLst xmlns:p15="http://schemas.microsoft.com/office/powerpoint/2012/main"/>
+    </p:ext>
+  </p:extLst>
 </p:presentation>
 </file>
 
@@ -276,7 +281,7 @@
           <a:p>
             <a:fld id="{72EA7947-E287-4738-8C82-07CE4F01EF03}" type="datetime2">
               <a:rPr lang="en-US" smtClean="0"/>
-              <a:t>Wednesday, July 27, 2022</a:t>
+              <a:t>Saturday, August 6, 2022</a:t>
             </a:fld>
             <a:endParaRPr lang="en-US" dirty="0"/>
           </a:p>
@@ -1312,7 +1317,7 @@
           <a:p>
             <a:fld id="{EE2EBD84-71F4-4271-8C46-0D47C0A9B12E}" type="datetime2">
               <a:rPr lang="en-US" smtClean="0"/>
-              <a:t>Wednesday, July 27, 2022</a:t>
+              <a:t>Saturday, August 6, 2022</a:t>
             </a:fld>
             <a:endParaRPr lang="en-US"/>
           </a:p>
@@ -1523,7 +1528,7 @@
           <a:p>
             <a:fld id="{ABAE0CE1-F450-4107-B2CB-17B18F8A3F4A}" type="datetime2">
               <a:rPr lang="en-US" smtClean="0"/>
-              <a:t>Wednesday, July 27, 2022</a:t>
+              <a:t>Saturday, August 6, 2022</a:t>
             </a:fld>
             <a:endParaRPr lang="en-US"/>
           </a:p>
@@ -2188,7 +2193,7 @@
           <a:p>
             <a:fld id="{6FE8C025-CD7A-4966-867E-81CF82B15267}" type="datetime2">
               <a:rPr lang="en-US" smtClean="0"/>
-              <a:t>Wednesday, July 27, 2022</a:t>
+              <a:t>Saturday, August 6, 2022</a:t>
             </a:fld>
             <a:endParaRPr lang="en-US"/>
           </a:p>
@@ -2808,7 +2813,7 @@
           <a:p>
             <a:fld id="{FE809929-0719-4517-94D6-FDF7F99E70F6}" type="datetime2">
               <a:rPr lang="en-US" smtClean="0"/>
-              <a:t>Wednesday, July 27, 2022</a:t>
+              <a:t>Saturday, August 6, 2022</a:t>
             </a:fld>
             <a:endParaRPr lang="en-US"/>
           </a:p>
@@ -3926,7 +3931,7 @@
           <a:p>
             <a:fld id="{20E95673-5512-4AAA-9AEB-E00C61EC65D5}" type="datetime2">
               <a:rPr lang="en-US" smtClean="0"/>
-              <a:t>Wednesday, July 27, 2022</a:t>
+              <a:t>Saturday, August 6, 2022</a:t>
             </a:fld>
             <a:endParaRPr lang="en-US"/>
           </a:p>
@@ -4473,7 +4478,7 @@
           <a:p>
             <a:fld id="{C13138FA-2E87-4873-8BBA-13E447C9A99A}" type="datetime2">
               <a:rPr lang="en-US" smtClean="0"/>
-              <a:t>Wednesday, July 27, 2022</a:t>
+              <a:t>Saturday, August 6, 2022</a:t>
             </a:fld>
             <a:endParaRPr lang="en-US"/>
           </a:p>
@@ -4634,7 +4639,7 @@
           <a:p>
             <a:fld id="{D75BB40A-97BD-4BFB-B639-0BFF95FDE8B7}" type="datetime2">
               <a:rPr lang="en-US" smtClean="0"/>
-              <a:t>Wednesday, July 27, 2022</a:t>
+              <a:t>Saturday, August 6, 2022</a:t>
             </a:fld>
             <a:endParaRPr lang="en-US"/>
           </a:p>
@@ -5669,7 +5674,7 @@
           <a:p>
             <a:fld id="{9EE9E0E3-ECF6-4CFE-8698-AEFEBCECC3C0}" type="datetime2">
               <a:rPr lang="en-US" smtClean="0"/>
-              <a:t>Wednesday, July 27, 2022</a:t>
+              <a:t>Saturday, August 6, 2022</a:t>
             </a:fld>
             <a:endParaRPr lang="en-US"/>
           </a:p>
@@ -6315,7 +6320,7 @@
           <a:p>
             <a:fld id="{251462FC-960E-4740-921F-B36862979F21}" type="datetime2">
               <a:rPr lang="en-US" smtClean="0"/>
-              <a:t>Wednesday, July 27, 2022</a:t>
+              <a:t>Saturday, August 6, 2022</a:t>
             </a:fld>
             <a:endParaRPr lang="en-US"/>
           </a:p>
@@ -7079,7 +7084,7 @@
           <a:p>
             <a:fld id="{E50BC9E2-CB44-4C05-9BB5-496C18A241E0}" type="datetime2">
               <a:rPr lang="en-US" smtClean="0"/>
-              <a:t>Wednesday, July 27, 2022</a:t>
+              <a:t>Saturday, August 6, 2022</a:t>
             </a:fld>
             <a:endParaRPr lang="en-US"/>
           </a:p>
@@ -7332,7 +7337,7 @@
           <a:p>
             <a:fld id="{246CB39B-5F4C-4A7E-9BE3-AAFD45576D16}" type="datetime2">
               <a:rPr lang="en-US" smtClean="0"/>
-              <a:t>Wednesday, July 27, 2022</a:t>
+              <a:t>Saturday, August 6, 2022</a:t>
             </a:fld>
             <a:endParaRPr lang="en-US" dirty="0"/>
           </a:p>
@@ -9653,8 +9658,13 @@
           <a:p>
             <a:r>
               <a:rPr lang="en-US" sz="2000" dirty="0"/>
-              <a:t>Automation of deployments, delivery and rollbacks reduces personnel costs</a:t>
+              <a:t>Automation of tests such as smoke test helps reduces downtime </a:t>
             </a:r>
+            <a:r>
+              <a:rPr lang="en-US" sz="2000"/>
+              <a:t>and financial losses</a:t>
+            </a:r>
+            <a:endParaRPr lang="en-US" sz="2000" dirty="0"/>
           </a:p>
           <a:p>
             <a:endParaRPr lang="en-US" sz="2000" dirty="0"/>
